--- a/ContDataQC_Guide_02_Config.pptx
+++ b/ContDataQC_Guide_02_Config.pptx
@@ -16,10 +16,10 @@
     <p:sldId id="262" r:id="rId7"/>
     <p:sldId id="263" r:id="rId8"/>
     <p:sldId id="267" r:id="rId9"/>
-    <p:sldId id="264" r:id="rId10"/>
-    <p:sldId id="265" r:id="rId11"/>
-    <p:sldId id="266" r:id="rId12"/>
-    <p:sldId id="268" r:id="rId13"/>
+    <p:sldId id="269" r:id="rId10"/>
+    <p:sldId id="264" r:id="rId11"/>
+    <p:sldId id="265" r:id="rId12"/>
+    <p:sldId id="266" r:id="rId13"/>
     <p:sldId id="257" r:id="rId14"/>
   </p:sldIdLst>
   <p:sldSz cx="12192000" cy="6858000"/>
@@ -144,10 +144,10 @@
             <p14:sldId id="262"/>
             <p14:sldId id="263"/>
             <p14:sldId id="267"/>
+            <p14:sldId id="269"/>
             <p14:sldId id="264"/>
             <p14:sldId id="265"/>
             <p14:sldId id="266"/>
-            <p14:sldId id="268"/>
           </p14:sldIdLst>
         </p14:section>
         <p14:section name="End" id="{72B75AD2-2FFE-4279-8973-1B4FCBF0EF66}">
@@ -257,7 +257,7 @@
           <a:p>
             <a:fld id="{A2E71009-6882-4EF1-96CB-0E4C65F24FB6}" type="datetimeFigureOut">
               <a:rPr lang="en-US" smtClean="0"/>
-              <a:t>2018-01-26</a:t>
+              <a:t>2018-01-29</a:t>
             </a:fld>
             <a:endParaRPr lang="en-US"/>
           </a:p>
@@ -737,7 +737,7 @@
           <a:p>
             <a:fld id="{07CE795A-9BFC-475B-95A6-98CD11EA5C56}" type="datetimeFigureOut">
               <a:rPr lang="en-US" smtClean="0"/>
-              <a:t>2018-01-26</a:t>
+              <a:t>2018-01-29</a:t>
             </a:fld>
             <a:endParaRPr lang="en-US"/>
           </a:p>
@@ -905,7 +905,7 @@
           <a:p>
             <a:fld id="{07CE795A-9BFC-475B-95A6-98CD11EA5C56}" type="datetimeFigureOut">
               <a:rPr lang="en-US" smtClean="0"/>
-              <a:t>2018-01-26</a:t>
+              <a:t>2018-01-29</a:t>
             </a:fld>
             <a:endParaRPr lang="en-US"/>
           </a:p>
@@ -1083,7 +1083,7 @@
           <a:p>
             <a:fld id="{07CE795A-9BFC-475B-95A6-98CD11EA5C56}" type="datetimeFigureOut">
               <a:rPr lang="en-US" smtClean="0"/>
-              <a:t>2018-01-26</a:t>
+              <a:t>2018-01-29</a:t>
             </a:fld>
             <a:endParaRPr lang="en-US"/>
           </a:p>
@@ -1251,7 +1251,7 @@
           <a:p>
             <a:fld id="{07CE795A-9BFC-475B-95A6-98CD11EA5C56}" type="datetimeFigureOut">
               <a:rPr lang="en-US" smtClean="0"/>
-              <a:t>2018-01-26</a:t>
+              <a:t>2018-01-29</a:t>
             </a:fld>
             <a:endParaRPr lang="en-US"/>
           </a:p>
@@ -1496,7 +1496,7 @@
           <a:p>
             <a:fld id="{07CE795A-9BFC-475B-95A6-98CD11EA5C56}" type="datetimeFigureOut">
               <a:rPr lang="en-US" smtClean="0"/>
-              <a:t>2018-01-26</a:t>
+              <a:t>2018-01-29</a:t>
             </a:fld>
             <a:endParaRPr lang="en-US"/>
           </a:p>
@@ -1725,7 +1725,7 @@
           <a:p>
             <a:fld id="{07CE795A-9BFC-475B-95A6-98CD11EA5C56}" type="datetimeFigureOut">
               <a:rPr lang="en-US" smtClean="0"/>
-              <a:t>2018-01-26</a:t>
+              <a:t>2018-01-29</a:t>
             </a:fld>
             <a:endParaRPr lang="en-US"/>
           </a:p>
@@ -2089,7 +2089,7 @@
           <a:p>
             <a:fld id="{07CE795A-9BFC-475B-95A6-98CD11EA5C56}" type="datetimeFigureOut">
               <a:rPr lang="en-US" smtClean="0"/>
-              <a:t>2018-01-26</a:t>
+              <a:t>2018-01-29</a:t>
             </a:fld>
             <a:endParaRPr lang="en-US"/>
           </a:p>
@@ -2206,7 +2206,7 @@
           <a:p>
             <a:fld id="{07CE795A-9BFC-475B-95A6-98CD11EA5C56}" type="datetimeFigureOut">
               <a:rPr lang="en-US" smtClean="0"/>
-              <a:t>2018-01-26</a:t>
+              <a:t>2018-01-29</a:t>
             </a:fld>
             <a:endParaRPr lang="en-US"/>
           </a:p>
@@ -2301,7 +2301,7 @@
           <a:p>
             <a:fld id="{07CE795A-9BFC-475B-95A6-98CD11EA5C56}" type="datetimeFigureOut">
               <a:rPr lang="en-US" smtClean="0"/>
-              <a:t>2018-01-26</a:t>
+              <a:t>2018-01-29</a:t>
             </a:fld>
             <a:endParaRPr lang="en-US"/>
           </a:p>
@@ -2576,7 +2576,7 @@
           <a:p>
             <a:fld id="{07CE795A-9BFC-475B-95A6-98CD11EA5C56}" type="datetimeFigureOut">
               <a:rPr lang="en-US" smtClean="0"/>
-              <a:t>2018-01-26</a:t>
+              <a:t>2018-01-29</a:t>
             </a:fld>
             <a:endParaRPr lang="en-US"/>
           </a:p>
@@ -2828,7 +2828,7 @@
           <a:p>
             <a:fld id="{07CE795A-9BFC-475B-95A6-98CD11EA5C56}" type="datetimeFigureOut">
               <a:rPr lang="en-US" smtClean="0"/>
-              <a:t>2018-01-26</a:t>
+              <a:t>2018-01-29</a:t>
             </a:fld>
             <a:endParaRPr lang="en-US"/>
           </a:p>
@@ -3039,7 +3039,7 @@
           <a:p>
             <a:fld id="{07CE795A-9BFC-475B-95A6-98CD11EA5C56}" type="datetimeFigureOut">
               <a:rPr lang="en-US" smtClean="0"/>
-              <a:t>2018-01-26</a:t>
+              <a:t>2018-01-29</a:t>
             </a:fld>
             <a:endParaRPr lang="en-US"/>
           </a:p>
@@ -3542,7 +3542,7 @@
           <a:p>
             <a:r>
               <a:rPr lang="en-US" dirty="0"/>
-              <a:t>R Code from Help File</a:t>
+              <a:t>To include custom configuration</a:t>
             </a:r>
           </a:p>
         </p:txBody>
@@ -3559,254 +3559,82 @@
         </p:nvSpPr>
         <p:spPr/>
         <p:txBody>
-          <a:bodyPr>
-            <a:normAutofit fontScale="77500" lnSpcReduction="20000"/>
-          </a:bodyPr>
-          <a:lstStyle/>
-          <a:p>
-            <a:r>
-              <a:rPr lang="en-US" dirty="0"/>
-              <a:t># QC Raw Data</a:t>
-            </a:r>
-          </a:p>
-          <a:p>
-            <a:r>
-              <a:rPr lang="en-US" dirty="0" err="1"/>
-              <a:t>myData.Operation</a:t>
-            </a:r>
-            <a:r>
-              <a:rPr lang="en-US" dirty="0"/>
-              <a:t> &lt;- "</a:t>
-            </a:r>
-            <a:r>
-              <a:rPr lang="en-US" dirty="0" err="1"/>
-              <a:t>QCRaw</a:t>
-            </a:r>
-            <a:r>
-              <a:rPr lang="en-US" dirty="0"/>
-              <a:t>" #</a:t>
-            </a:r>
-            <a:r>
-              <a:rPr lang="en-US" dirty="0" err="1"/>
-              <a:t>Selection.Operation</a:t>
-            </a:r>
-            <a:r>
-              <a:rPr lang="en-US" dirty="0"/>
-              <a:t>[2]</a:t>
-            </a:r>
-          </a:p>
-          <a:p>
-            <a:r>
-              <a:rPr lang="en-US" dirty="0" err="1"/>
-              <a:t>myData.SiteID</a:t>
-            </a:r>
-            <a:r>
-              <a:rPr lang="en-US" dirty="0"/>
-              <a:t>    &lt;- "test2"</a:t>
-            </a:r>
-          </a:p>
-          <a:p>
-            <a:r>
-              <a:rPr lang="en-US" dirty="0" err="1"/>
-              <a:t>myData.Type</a:t>
-            </a:r>
-            <a:r>
-              <a:rPr lang="en-US" dirty="0"/>
-              <a:t>      &lt;- </a:t>
-            </a:r>
-            <a:r>
-              <a:rPr lang="en-US" dirty="0" err="1"/>
-              <a:t>Selection.Type</a:t>
-            </a:r>
-            <a:r>
-              <a:rPr lang="en-US" dirty="0"/>
-              <a:t>[3] #"AW"</a:t>
-            </a:r>
-          </a:p>
-          <a:p>
-            <a:r>
-              <a:rPr lang="en-US" dirty="0" err="1"/>
-              <a:t>myData.DateRange.Start</a:t>
-            </a:r>
-            <a:r>
-              <a:rPr lang="en-US" dirty="0"/>
-              <a:t>  &lt;- "2013-01-01"</a:t>
-            </a:r>
-          </a:p>
-          <a:p>
-            <a:r>
-              <a:rPr lang="en-US" dirty="0" err="1"/>
-              <a:t>myData.DateRange.End</a:t>
-            </a:r>
-            <a:r>
-              <a:rPr lang="en-US" dirty="0"/>
-              <a:t>    &lt;- "2014-12-31"</a:t>
-            </a:r>
-          </a:p>
-          <a:p>
-            <a:r>
-              <a:rPr lang="en-US" dirty="0" err="1"/>
-              <a:t>myDir.import</a:t>
-            </a:r>
-            <a:r>
-              <a:rPr lang="en-US" dirty="0"/>
-              <a:t> &lt;- </a:t>
-            </a:r>
-            <a:r>
-              <a:rPr lang="en-US" dirty="0" err="1"/>
-              <a:t>file.path</a:t>
-            </a:r>
-            <a:r>
-              <a:rPr lang="en-US" dirty="0"/>
-              <a:t>(</a:t>
-            </a:r>
-            <a:r>
-              <a:rPr lang="en-US" dirty="0" err="1"/>
-              <a:t>myDir.BASE,Selection.SUB</a:t>
-            </a:r>
-            <a:r>
-              <a:rPr lang="en-US" dirty="0"/>
-              <a:t>[1]) #"Data1_RAW"</a:t>
-            </a:r>
-          </a:p>
-          <a:p>
-            <a:r>
-              <a:rPr lang="en-US" dirty="0" err="1"/>
-              <a:t>myDir.export</a:t>
-            </a:r>
-            <a:r>
-              <a:rPr lang="en-US" dirty="0"/>
-              <a:t> &lt;- </a:t>
-            </a:r>
-            <a:r>
-              <a:rPr lang="en-US" dirty="0" err="1"/>
-              <a:t>file.path</a:t>
-            </a:r>
-            <a:r>
-              <a:rPr lang="en-US" dirty="0"/>
-              <a:t>(</a:t>
-            </a:r>
-            <a:r>
-              <a:rPr lang="en-US" dirty="0" err="1"/>
-              <a:t>myDir.BASE,Selection.SUB</a:t>
-            </a:r>
-            <a:r>
-              <a:rPr lang="en-US" dirty="0"/>
-              <a:t>[2]) #"Data2_QC"</a:t>
-            </a:r>
-          </a:p>
-          <a:p>
-            <a:r>
-              <a:rPr lang="en-US" dirty="0" err="1"/>
-              <a:t>myReport.format</a:t>
-            </a:r>
-            <a:r>
-              <a:rPr lang="en-US" dirty="0"/>
-              <a:t> &lt;- "</a:t>
-            </a:r>
-            <a:r>
-              <a:rPr lang="en-US" dirty="0" err="1"/>
-              <a:t>docx</a:t>
-            </a:r>
-            <a:r>
-              <a:rPr lang="en-US" dirty="0"/>
-              <a:t>"</a:t>
-            </a:r>
-          </a:p>
-          <a:p>
+          <a:bodyPr/>
+          <a:lstStyle/>
+          <a:p>
+            <a:r>
+              <a:rPr lang="en-US" dirty="0"/>
+              <a:t>When run the function “</a:t>
+            </a:r>
             <a:r>
               <a:rPr lang="en-US" dirty="0" err="1"/>
               <a:t>ContDataQC</a:t>
             </a:r>
             <a:r>
               <a:rPr lang="en-US" dirty="0"/>
-              <a:t>(</a:t>
-            </a:r>
-            <a:r>
-              <a:rPr lang="en-US" dirty="0" err="1"/>
-              <a:t>myData.Operation</a:t>
-            </a:r>
-            <a:r>
-              <a:rPr lang="en-US" dirty="0"/>
-              <a:t>, </a:t>
-            </a:r>
-            <a:r>
-              <a:rPr lang="en-US" dirty="0" err="1"/>
-              <a:t>myData.SiteID</a:t>
-            </a:r>
-            <a:r>
-              <a:rPr lang="en-US" dirty="0"/>
-              <a:t>, </a:t>
-            </a:r>
-            <a:r>
-              <a:rPr lang="en-US" dirty="0" err="1"/>
-              <a:t>myData.Type</a:t>
-            </a:r>
-            <a:r>
-              <a:rPr lang="en-US" dirty="0"/>
-              <a:t>, </a:t>
-            </a:r>
-            <a:r>
-              <a:rPr lang="en-US" dirty="0" err="1"/>
-              <a:t>myData.DateRange.Start</a:t>
-            </a:r>
+              <a:t>()” there is a parameter (</a:t>
+            </a:r>
+            <a:r>
+              <a:rPr lang="en-US" dirty="0" err="1"/>
+              <a:t>fun.myConfig</a:t>
+            </a:r>
+            <a:r>
+              <a:rPr lang="en-US" dirty="0"/>
+              <a:t>) that allows the user to input their own configuration file.</a:t>
+            </a:r>
+          </a:p>
+          <a:p>
+            <a:pPr lvl="1"/>
+            <a:r>
+              <a:rPr lang="en-US" dirty="0" err="1"/>
+              <a:t>fun.myFile</a:t>
+            </a:r>
+            <a:r>
+              <a:rPr lang="en-US" dirty="0"/>
+              <a:t>=“</a:t>
+            </a:r>
+            <a:r>
+              <a:rPr lang="en-US" dirty="0" err="1"/>
+              <a:t>config_flat.R</a:t>
+            </a:r>
+            <a:r>
+              <a:rPr lang="en-US" dirty="0"/>
+              <a:t>”</a:t>
+            </a:r>
+          </a:p>
+          <a:p>
+            <a:pPr lvl="1"/>
+            <a:r>
+              <a:rPr lang="en-US" dirty="0"/>
+              <a:t>“</a:t>
+            </a:r>
+            <a:r>
+              <a:rPr lang="en-US" dirty="0" err="1"/>
+              <a:t>config_flat.R</a:t>
+            </a:r>
+            <a:r>
+              <a:rPr lang="en-US" dirty="0"/>
+              <a:t>” should be in the working directory and is the name of your file.</a:t>
+            </a:r>
+          </a:p>
+          <a:p>
+            <a:pPr marL="457200" lvl="1" indent="0">
+              <a:buNone/>
+            </a:pPr>
             <a:endParaRPr lang="en-US" dirty="0"/>
           </a:p>
           <a:p>
-            <a:r>
-              <a:rPr lang="en-US" dirty="0"/>
-              <a:t>           , </a:t>
-            </a:r>
-            <a:r>
-              <a:rPr lang="en-US" dirty="0" err="1"/>
-              <a:t>myData.DateRange.End</a:t>
-            </a:r>
-            <a:r>
-              <a:rPr lang="en-US" dirty="0"/>
-              <a:t>, </a:t>
-            </a:r>
-            <a:r>
-              <a:rPr lang="en-US" dirty="0" err="1"/>
-              <a:t>myDir.import</a:t>
-            </a:r>
-            <a:r>
-              <a:rPr lang="en-US" dirty="0"/>
-              <a:t>, </a:t>
-            </a:r>
-            <a:r>
-              <a:rPr lang="en-US" dirty="0" err="1"/>
-              <a:t>myDir.export</a:t>
-            </a:r>
+            <a:pPr marL="0" indent="0">
+              <a:buNone/>
+            </a:pPr>
             <a:endParaRPr lang="en-US" dirty="0"/>
-          </a:p>
-          <a:p>
-            <a:r>
-              <a:rPr lang="en-US" dirty="0"/>
-              <a:t>           , </a:t>
-            </a:r>
-            <a:r>
-              <a:rPr lang="en-US" dirty="0" err="1"/>
-              <a:t>fun.myReport.format</a:t>
-            </a:r>
-            <a:r>
-              <a:rPr lang="en-US" dirty="0"/>
-              <a:t>=</a:t>
-            </a:r>
-            <a:r>
-              <a:rPr lang="en-US" dirty="0" err="1"/>
-              <a:t>myReport.format</a:t>
-            </a:r>
-            <a:r>
-              <a:rPr lang="en-US" dirty="0"/>
-              <a:t>)</a:t>
-            </a:r>
           </a:p>
         </p:txBody>
       </p:sp>
     </p:spTree>
     <p:extLst>
       <p:ext uri="{BB962C8B-B14F-4D97-AF65-F5344CB8AC3E}">
-        <p14:creationId xmlns:p14="http://schemas.microsoft.com/office/powerpoint/2010/main" val="784071044"/>
+        <p14:creationId xmlns:p14="http://schemas.microsoft.com/office/powerpoint/2010/main" val="985655402"/>
       </p:ext>
     </p:extLst>
   </p:cSld>
@@ -3850,7 +3678,7 @@
           <a:p>
             <a:r>
               <a:rPr lang="en-US" dirty="0"/>
-              <a:t>Revised R Code that Include Custom Config</a:t>
+              <a:t>R Code from Help File</a:t>
             </a:r>
           </a:p>
         </p:txBody>
@@ -3868,7 +3696,7 @@
         <p:spPr/>
         <p:txBody>
           <a:bodyPr>
-            <a:normAutofit fontScale="55000" lnSpcReduction="20000"/>
+            <a:normAutofit fontScale="77500" lnSpcReduction="20000"/>
           </a:bodyPr>
           <a:lstStyle/>
           <a:p>
@@ -4018,41 +3846,7 @@
             </a:r>
             <a:r>
               <a:rPr lang="en-US" dirty="0"/>
-              <a:t>“</a:t>
-            </a:r>
-          </a:p>
-          <a:p>
-            <a:r>
-              <a:rPr lang="en-US" dirty="0" err="1">
-                <a:highlight>
-                  <a:srgbClr val="FFFF00"/>
-                </a:highlight>
-              </a:rPr>
-              <a:t>myConfig</a:t>
-            </a:r>
-            <a:r>
-              <a:rPr lang="en-US" dirty="0">
-                <a:highlight>
-                  <a:srgbClr val="FFFF00"/>
-                </a:highlight>
-              </a:rPr>
-              <a:t> &lt;- “</a:t>
-            </a:r>
-            <a:r>
-              <a:rPr lang="en-US" dirty="0" err="1">
-                <a:highlight>
-                  <a:srgbClr val="FFFF00"/>
-                </a:highlight>
-              </a:rPr>
-              <a:t>config_flat.R</a:t>
-            </a:r>
-            <a:r>
-              <a:rPr lang="en-US" dirty="0">
-                <a:highlight>
-                  <a:srgbClr val="FFFF00"/>
-                </a:highlight>
-              </a:rPr>
-              <a:t>”</a:t>
+              <a:t>"</a:t>
             </a:r>
           </a:p>
           <a:p>
@@ -4120,50 +3914,6 @@
               <a:t>myDir.export</a:t>
             </a:r>
             <a:endParaRPr lang="en-US" dirty="0"/>
-          </a:p>
-          <a:p>
-            <a:pPr marL="685800" lvl="3">
-              <a:spcBef>
-                <a:spcPts val="1000"/>
-              </a:spcBef>
-            </a:pPr>
-            <a:r>
-              <a:rPr lang="en-US" dirty="0">
-                <a:highlight>
-                  <a:srgbClr val="FFFF00"/>
-                </a:highlight>
-              </a:rPr>
-              <a:t>, </a:t>
-            </a:r>
-            <a:r>
-              <a:rPr lang="en-US" sz="2700" dirty="0" err="1">
-                <a:highlight>
-                  <a:srgbClr val="FFFF00"/>
-                </a:highlight>
-              </a:rPr>
-              <a:t>fun.myConfig</a:t>
-            </a:r>
-            <a:r>
-              <a:rPr lang="en-US" sz="2700" dirty="0">
-                <a:highlight>
-                  <a:srgbClr val="FFFF00"/>
-                </a:highlight>
-              </a:rPr>
-              <a:t>=</a:t>
-            </a:r>
-            <a:r>
-              <a:rPr lang="en-US" sz="2700" dirty="0" err="1">
-                <a:highlight>
-                  <a:srgbClr val="FFFF00"/>
-                </a:highlight>
-              </a:rPr>
-              <a:t>myConfig</a:t>
-            </a:r>
-            <a:endParaRPr lang="en-US" sz="2700" dirty="0">
-              <a:highlight>
-                <a:srgbClr val="FFFF00"/>
-              </a:highlight>
-            </a:endParaRPr>
           </a:p>
           <a:p>
             <a:r>
@@ -4192,7 +3942,7 @@
     </p:spTree>
     <p:extLst>
       <p:ext uri="{BB962C8B-B14F-4D97-AF65-F5344CB8AC3E}">
-        <p14:creationId xmlns:p14="http://schemas.microsoft.com/office/powerpoint/2010/main" val="3145279431"/>
+        <p14:creationId xmlns:p14="http://schemas.microsoft.com/office/powerpoint/2010/main" val="784071044"/>
       </p:ext>
     </p:extLst>
   </p:cSld>
@@ -4236,7 +3986,7 @@
           <a:p>
             <a:r>
               <a:rPr lang="en-US" dirty="0"/>
-              <a:t>Compare QC Report</a:t>
+              <a:t>Revised R Code that Include Custom Config</a:t>
             </a:r>
           </a:p>
         </p:txBody>
@@ -4253,17 +4003,332 @@
         </p:nvSpPr>
         <p:spPr/>
         <p:txBody>
-          <a:bodyPr/>
-          <a:lstStyle/>
-          <a:p>
-            <a:endParaRPr lang="en-US"/>
+          <a:bodyPr>
+            <a:normAutofit fontScale="55000" lnSpcReduction="20000"/>
+          </a:bodyPr>
+          <a:lstStyle/>
+          <a:p>
+            <a:r>
+              <a:rPr lang="en-US" dirty="0"/>
+              <a:t># QC Raw Data</a:t>
+            </a:r>
+          </a:p>
+          <a:p>
+            <a:r>
+              <a:rPr lang="en-US" dirty="0" err="1"/>
+              <a:t>myData.Operation</a:t>
+            </a:r>
+            <a:r>
+              <a:rPr lang="en-US" dirty="0"/>
+              <a:t> &lt;- "</a:t>
+            </a:r>
+            <a:r>
+              <a:rPr lang="en-US" dirty="0" err="1"/>
+              <a:t>QCRaw</a:t>
+            </a:r>
+            <a:r>
+              <a:rPr lang="en-US" dirty="0"/>
+              <a:t>" #</a:t>
+            </a:r>
+            <a:r>
+              <a:rPr lang="en-US" dirty="0" err="1"/>
+              <a:t>Selection.Operation</a:t>
+            </a:r>
+            <a:r>
+              <a:rPr lang="en-US" dirty="0"/>
+              <a:t>[2]</a:t>
+            </a:r>
+          </a:p>
+          <a:p>
+            <a:r>
+              <a:rPr lang="en-US" dirty="0" err="1"/>
+              <a:t>myData.SiteID</a:t>
+            </a:r>
+            <a:r>
+              <a:rPr lang="en-US" dirty="0"/>
+              <a:t>    &lt;- "test2"</a:t>
+            </a:r>
+          </a:p>
+          <a:p>
+            <a:r>
+              <a:rPr lang="en-US" dirty="0" err="1"/>
+              <a:t>myData.Type</a:t>
+            </a:r>
+            <a:r>
+              <a:rPr lang="en-US" dirty="0"/>
+              <a:t>      &lt;- </a:t>
+            </a:r>
+            <a:r>
+              <a:rPr lang="en-US" dirty="0" err="1"/>
+              <a:t>Selection.Type</a:t>
+            </a:r>
+            <a:r>
+              <a:rPr lang="en-US" dirty="0"/>
+              <a:t>[3] #"AW"</a:t>
+            </a:r>
+          </a:p>
+          <a:p>
+            <a:r>
+              <a:rPr lang="en-US" dirty="0" err="1"/>
+              <a:t>myData.DateRange.Start</a:t>
+            </a:r>
+            <a:r>
+              <a:rPr lang="en-US" dirty="0"/>
+              <a:t>  &lt;- "2013-01-01"</a:t>
+            </a:r>
+          </a:p>
+          <a:p>
+            <a:r>
+              <a:rPr lang="en-US" dirty="0" err="1"/>
+              <a:t>myData.DateRange.End</a:t>
+            </a:r>
+            <a:r>
+              <a:rPr lang="en-US" dirty="0"/>
+              <a:t>    &lt;- "2014-12-31"</a:t>
+            </a:r>
+          </a:p>
+          <a:p>
+            <a:r>
+              <a:rPr lang="en-US" dirty="0" err="1"/>
+              <a:t>myDir.import</a:t>
+            </a:r>
+            <a:r>
+              <a:rPr lang="en-US" dirty="0"/>
+              <a:t> &lt;- </a:t>
+            </a:r>
+            <a:r>
+              <a:rPr lang="en-US" dirty="0" err="1"/>
+              <a:t>file.path</a:t>
+            </a:r>
+            <a:r>
+              <a:rPr lang="en-US" dirty="0"/>
+              <a:t>(</a:t>
+            </a:r>
+            <a:r>
+              <a:rPr lang="en-US" dirty="0" err="1"/>
+              <a:t>myDir.BASE,Selection.SUB</a:t>
+            </a:r>
+            <a:r>
+              <a:rPr lang="en-US" dirty="0"/>
+              <a:t>[1]) #"Data1_RAW"</a:t>
+            </a:r>
+          </a:p>
+          <a:p>
+            <a:r>
+              <a:rPr lang="en-US" dirty="0" err="1"/>
+              <a:t>myDir.export</a:t>
+            </a:r>
+            <a:r>
+              <a:rPr lang="en-US" dirty="0"/>
+              <a:t> &lt;- </a:t>
+            </a:r>
+            <a:r>
+              <a:rPr lang="en-US" dirty="0" err="1"/>
+              <a:t>file.path</a:t>
+            </a:r>
+            <a:r>
+              <a:rPr lang="en-US" dirty="0"/>
+              <a:t>(</a:t>
+            </a:r>
+            <a:r>
+              <a:rPr lang="en-US" dirty="0" err="1"/>
+              <a:t>myDir.BASE,Selection.SUB</a:t>
+            </a:r>
+            <a:r>
+              <a:rPr lang="en-US" dirty="0"/>
+              <a:t>[2]) #"Data2_QC"</a:t>
+            </a:r>
+          </a:p>
+          <a:p>
+            <a:r>
+              <a:rPr lang="en-US" dirty="0" err="1"/>
+              <a:t>myReport.format</a:t>
+            </a:r>
+            <a:r>
+              <a:rPr lang="en-US" dirty="0"/>
+              <a:t> &lt;- "</a:t>
+            </a:r>
+            <a:r>
+              <a:rPr lang="en-US" dirty="0" err="1"/>
+              <a:t>docx</a:t>
+            </a:r>
+            <a:r>
+              <a:rPr lang="en-US" dirty="0"/>
+              <a:t>“</a:t>
+            </a:r>
+          </a:p>
+          <a:p>
+            <a:r>
+              <a:rPr lang="en-US" dirty="0" err="1">
+                <a:highlight>
+                  <a:srgbClr val="FFFF00"/>
+                </a:highlight>
+              </a:rPr>
+              <a:t>myConfig</a:t>
+            </a:r>
+            <a:r>
+              <a:rPr lang="en-US" dirty="0">
+                <a:highlight>
+                  <a:srgbClr val="FFFF00"/>
+                </a:highlight>
+              </a:rPr>
+              <a:t> &lt;- “</a:t>
+            </a:r>
+            <a:r>
+              <a:rPr lang="en-US" dirty="0" err="1">
+                <a:highlight>
+                  <a:srgbClr val="FFFF00"/>
+                </a:highlight>
+              </a:rPr>
+              <a:t>config_flat.R</a:t>
+            </a:r>
+            <a:r>
+              <a:rPr lang="en-US" dirty="0">
+                <a:highlight>
+                  <a:srgbClr val="FFFF00"/>
+                </a:highlight>
+              </a:rPr>
+              <a:t>”</a:t>
+            </a:r>
+          </a:p>
+          <a:p>
+            <a:r>
+              <a:rPr lang="en-US" dirty="0" err="1"/>
+              <a:t>ContDataQC</a:t>
+            </a:r>
+            <a:r>
+              <a:rPr lang="en-US" dirty="0"/>
+              <a:t>(</a:t>
+            </a:r>
+            <a:r>
+              <a:rPr lang="en-US" dirty="0" err="1"/>
+              <a:t>myData.Operation</a:t>
+            </a:r>
+            <a:r>
+              <a:rPr lang="en-US" dirty="0"/>
+              <a:t>, </a:t>
+            </a:r>
+            <a:r>
+              <a:rPr lang="en-US" dirty="0" err="1"/>
+              <a:t>myData.SiteID</a:t>
+            </a:r>
+            <a:r>
+              <a:rPr lang="en-US" dirty="0"/>
+              <a:t>, </a:t>
+            </a:r>
+            <a:r>
+              <a:rPr lang="en-US" dirty="0" err="1"/>
+              <a:t>myData.Type</a:t>
+            </a:r>
+            <a:r>
+              <a:rPr lang="en-US" dirty="0"/>
+              <a:t>, </a:t>
+            </a:r>
+            <a:r>
+              <a:rPr lang="en-US" dirty="0" err="1"/>
+              <a:t>myData.DateRange.Start</a:t>
+            </a:r>
+            <a:endParaRPr lang="en-US" dirty="0"/>
+          </a:p>
+          <a:p>
+            <a:r>
+              <a:rPr lang="en-US" dirty="0"/>
+              <a:t>           , </a:t>
+            </a:r>
+            <a:r>
+              <a:rPr lang="en-US" dirty="0" err="1"/>
+              <a:t>myData.DateRange.End</a:t>
+            </a:r>
+            <a:r>
+              <a:rPr lang="en-US" dirty="0"/>
+              <a:t>, </a:t>
+            </a:r>
+            <a:r>
+              <a:rPr lang="en-US" dirty="0" err="1"/>
+              <a:t>myDir.import</a:t>
+            </a:r>
+            <a:r>
+              <a:rPr lang="en-US" dirty="0"/>
+              <a:t>, </a:t>
+            </a:r>
+            <a:r>
+              <a:rPr lang="en-US" dirty="0" err="1"/>
+              <a:t>myDir.export</a:t>
+            </a:r>
+            <a:endParaRPr lang="en-US" dirty="0"/>
+          </a:p>
+          <a:p>
+            <a:pPr marL="685800" lvl="3">
+              <a:spcBef>
+                <a:spcPts val="1000"/>
+              </a:spcBef>
+            </a:pPr>
+            <a:r>
+              <a:rPr lang="en-US" dirty="0">
+                <a:highlight>
+                  <a:srgbClr val="FFFF00"/>
+                </a:highlight>
+              </a:rPr>
+              <a:t>, </a:t>
+            </a:r>
+            <a:r>
+              <a:rPr lang="en-US" sz="2700" dirty="0" err="1">
+                <a:highlight>
+                  <a:srgbClr val="FFFF00"/>
+                </a:highlight>
+              </a:rPr>
+              <a:t>fun.myConfig</a:t>
+            </a:r>
+            <a:r>
+              <a:rPr lang="en-US" sz="2700" dirty="0">
+                <a:highlight>
+                  <a:srgbClr val="FFFF00"/>
+                </a:highlight>
+              </a:rPr>
+              <a:t>=</a:t>
+            </a:r>
+            <a:r>
+              <a:rPr lang="en-US" sz="2700" dirty="0" err="1">
+                <a:highlight>
+                  <a:srgbClr val="FFFF00"/>
+                </a:highlight>
+              </a:rPr>
+              <a:t>myConfig</a:t>
+            </a:r>
+            <a:endParaRPr lang="en-US" sz="2700" dirty="0">
+              <a:highlight>
+                <a:srgbClr val="FFFF00"/>
+              </a:highlight>
+            </a:endParaRPr>
+          </a:p>
+          <a:p>
+            <a:r>
+              <a:rPr lang="en-US" dirty="0"/>
+              <a:t>           , </a:t>
+            </a:r>
+            <a:r>
+              <a:rPr lang="en-US" dirty="0" err="1"/>
+              <a:t>fun.myReport.format</a:t>
+            </a:r>
+            <a:r>
+              <a:rPr lang="en-US" dirty="0"/>
+              <a:t>=</a:t>
+            </a:r>
+            <a:r>
+              <a:rPr lang="en-US" dirty="0" err="1"/>
+              <a:t>myReport.format</a:t>
+            </a:r>
+            <a:r>
+              <a:rPr lang="en-US" dirty="0"/>
+              <a:t>)</a:t>
+            </a:r>
           </a:p>
         </p:txBody>
       </p:sp>
     </p:spTree>
     <p:extLst>
       <p:ext uri="{BB962C8B-B14F-4D97-AF65-F5344CB8AC3E}">
-        <p14:creationId xmlns:p14="http://schemas.microsoft.com/office/powerpoint/2010/main" val="3019549625"/>
+        <p14:creationId xmlns:p14="http://schemas.microsoft.com/office/powerpoint/2010/main" val="3145279431"/>
       </p:ext>
     </p:extLst>
   </p:cSld>
@@ -5474,93 +5539,37 @@
               <a:t>In this example will change 30 and 20 to 50 and 30.</a:t>
             </a:r>
           </a:p>
-        </p:txBody>
-      </p:sp>
-      <p:grpSp>
-        <p:nvGrpSpPr>
-          <p:cNvPr id="4" name="Group 3"/>
-          <p:cNvGrpSpPr/>
-          <p:nvPr/>
-        </p:nvGrpSpPr>
-        <p:grpSpPr>
-          <a:xfrm>
-            <a:off x="582070" y="4345998"/>
-            <a:ext cx="8708269" cy="1445202"/>
-            <a:chOff x="582070" y="4345998"/>
-            <a:chExt cx="8708269" cy="1445202"/>
-          </a:xfrm>
-        </p:grpSpPr>
-        <p:pic>
-          <p:nvPicPr>
-            <p:cNvPr id="5" name="Picture 4"/>
-            <p:cNvPicPr>
-              <a:picLocks noChangeAspect="1"/>
-            </p:cNvPicPr>
-            <p:nvPr/>
-          </p:nvPicPr>
-          <p:blipFill>
-            <a:blip r:embed="rId2"/>
-            <a:stretch>
-              <a:fillRect/>
-            </a:stretch>
-          </p:blipFill>
-          <p:spPr>
-            <a:xfrm>
-              <a:off x="582070" y="4345998"/>
-              <a:ext cx="8708268" cy="1445202"/>
-            </a:xfrm>
-            <a:prstGeom prst="rect">
-              <a:avLst/>
-            </a:prstGeom>
-          </p:spPr>
-        </p:pic>
-        <p:sp>
-          <p:nvSpPr>
-            <p:cNvPr id="6" name="Rectangle: Rounded Corners 5"/>
-            <p:cNvSpPr/>
-            <p:nvPr/>
-          </p:nvSpPr>
-          <p:spPr>
-            <a:xfrm>
-              <a:off x="8423565" y="4890655"/>
-              <a:ext cx="866774" cy="581890"/>
-            </a:xfrm>
-            <a:prstGeom prst="roundRect">
-              <a:avLst/>
-            </a:prstGeom>
-            <a:noFill/>
-            <a:ln w="38100">
-              <a:solidFill>
-                <a:srgbClr val="FF0000"/>
-              </a:solidFill>
-            </a:ln>
-          </p:spPr>
-          <p:style>
-            <a:lnRef idx="2">
-              <a:schemeClr val="accent4">
-                <a:shade val="50000"/>
-              </a:schemeClr>
-            </a:lnRef>
-            <a:fillRef idx="1">
-              <a:schemeClr val="accent4"/>
-            </a:fillRef>
-            <a:effectRef idx="0">
-              <a:schemeClr val="accent4"/>
-            </a:effectRef>
-            <a:fontRef idx="minor">
-              <a:schemeClr val="lt1"/>
-            </a:fontRef>
-          </p:style>
-          <p:txBody>
-            <a:bodyPr rtlCol="0" anchor="ctr"/>
-            <a:lstStyle/>
-            <a:p>
-              <a:pPr algn="ctr"/>
-              <a:endParaRPr lang="en-US"/>
-            </a:p>
-          </p:txBody>
-        </p:sp>
-      </p:grpSp>
+          <a:p>
+            <a:r>
+              <a:rPr lang="en-US" dirty="0"/>
+              <a:t>And will rename the file that includes the nature of the modification.</a:t>
+            </a:r>
+          </a:p>
+          <a:p>
+            <a:pPr lvl="1"/>
+            <a:r>
+              <a:rPr lang="en-US" dirty="0"/>
+              <a:t>Rename “</a:t>
+            </a:r>
+            <a:r>
+              <a:rPr lang="en-US" dirty="0" err="1"/>
+              <a:t>config.MOD.R</a:t>
+            </a:r>
+            <a:r>
+              <a:rPr lang="en-US" dirty="0"/>
+              <a:t>” to “</a:t>
+            </a:r>
+            <a:r>
+              <a:rPr lang="en-US" dirty="0" err="1"/>
+              <a:t>config_flat.R</a:t>
+            </a:r>
+            <a:r>
+              <a:rPr lang="en-US" dirty="0"/>
+              <a:t>”</a:t>
+            </a:r>
+          </a:p>
+        </p:txBody>
+      </p:sp>
     </p:spTree>
     <p:extLst>
       <p:ext uri="{BB962C8B-B14F-4D97-AF65-F5344CB8AC3E}">
@@ -5593,7 +5602,7 @@
       </p:grpSpPr>
       <p:sp>
         <p:nvSpPr>
-          <p:cNvPr id="2" name="Title 1"/>
+          <p:cNvPr id="8" name="Title 7"/>
           <p:cNvSpPr>
             <a:spLocks noGrp="1"/>
           </p:cNvSpPr>
@@ -5608,14 +5617,14 @@
           <a:p>
             <a:r>
               <a:rPr lang="en-US" dirty="0"/>
-              <a:t>To include custom configuration</a:t>
-            </a:r>
-          </a:p>
-        </p:txBody>
-      </p:sp>
-      <p:sp>
-        <p:nvSpPr>
-          <p:cNvPr id="3" name="Content Placeholder 2"/>
+              <a:t>Code Changes</a:t>
+            </a:r>
+          </a:p>
+        </p:txBody>
+      </p:sp>
+      <p:sp>
+        <p:nvSpPr>
+          <p:cNvPr id="6" name="Content Placeholder 5"/>
           <p:cNvSpPr>
             <a:spLocks noGrp="1"/>
           </p:cNvSpPr>
@@ -5630,77 +5639,78 @@
           <a:p>
             <a:r>
               <a:rPr lang="en-US" dirty="0"/>
-              <a:t>When run the function “</a:t>
-            </a:r>
-            <a:r>
-              <a:rPr lang="en-US" dirty="0" err="1"/>
-              <a:t>ContDataQC</a:t>
-            </a:r>
-            <a:r>
-              <a:rPr lang="en-US" dirty="0"/>
-              <a:t>()” there is a parameter (</a:t>
-            </a:r>
-            <a:r>
-              <a:rPr lang="en-US" dirty="0" err="1"/>
-              <a:t>fun.myConfig</a:t>
-            </a:r>
-            <a:r>
-              <a:rPr lang="en-US" dirty="0"/>
-              <a:t>) that allows the user to input their own configuration file.</a:t>
-            </a:r>
-          </a:p>
-          <a:p>
-            <a:pPr lvl="1"/>
-            <a:r>
-              <a:rPr lang="en-US" dirty="0" err="1"/>
-              <a:t>fun.myFile</a:t>
-            </a:r>
-            <a:r>
-              <a:rPr lang="en-US" dirty="0"/>
-              <a:t>=“</a:t>
-            </a:r>
-            <a:r>
-              <a:rPr lang="en-US" dirty="0" err="1"/>
-              <a:t>config_flat.R</a:t>
-            </a:r>
-            <a:r>
-              <a:rPr lang="en-US" dirty="0"/>
-              <a:t>”</a:t>
-            </a:r>
-          </a:p>
-          <a:p>
-            <a:pPr lvl="1"/>
-            <a:r>
-              <a:rPr lang="en-US" dirty="0"/>
-              <a:t>“</a:t>
-            </a:r>
-            <a:r>
-              <a:rPr lang="en-US" dirty="0" err="1"/>
-              <a:t>config_flat.R</a:t>
-            </a:r>
-            <a:r>
-              <a:rPr lang="en-US" dirty="0"/>
-              <a:t>” should be in the working directory and is the name of your file.</a:t>
-            </a:r>
-          </a:p>
-          <a:p>
-            <a:pPr marL="457200" lvl="1" indent="0">
-              <a:buNone/>
-            </a:pPr>
+              <a:t>Before Modification</a:t>
+            </a:r>
+          </a:p>
+          <a:p>
             <a:endParaRPr lang="en-US" dirty="0"/>
           </a:p>
           <a:p>
-            <a:pPr marL="0" indent="0">
-              <a:buNone/>
-            </a:pPr>
             <a:endParaRPr lang="en-US" dirty="0"/>
           </a:p>
-        </p:txBody>
-      </p:sp>
+          <a:p>
+            <a:endParaRPr lang="en-US" dirty="0"/>
+          </a:p>
+          <a:p>
+            <a:r>
+              <a:rPr lang="en-US" dirty="0"/>
+              <a:t>After Modification</a:t>
+            </a:r>
+          </a:p>
+        </p:txBody>
+      </p:sp>
+      <p:pic>
+        <p:nvPicPr>
+          <p:cNvPr id="4" name="Picture 3"/>
+          <p:cNvPicPr>
+            <a:picLocks noChangeAspect="1"/>
+          </p:cNvPicPr>
+          <p:nvPr/>
+        </p:nvPicPr>
+        <p:blipFill>
+          <a:blip r:embed="rId2"/>
+          <a:stretch>
+            <a:fillRect/>
+          </a:stretch>
+        </p:blipFill>
+        <p:spPr>
+          <a:xfrm>
+            <a:off x="1147762" y="2269881"/>
+            <a:ext cx="7343775" cy="1600200"/>
+          </a:xfrm>
+          <a:prstGeom prst="rect">
+            <a:avLst/>
+          </a:prstGeom>
+        </p:spPr>
+      </p:pic>
+      <p:pic>
+        <p:nvPicPr>
+          <p:cNvPr id="9" name="Picture 8"/>
+          <p:cNvPicPr>
+            <a:picLocks noChangeAspect="1"/>
+          </p:cNvPicPr>
+          <p:nvPr/>
+        </p:nvPicPr>
+        <p:blipFill>
+          <a:blip r:embed="rId3"/>
+          <a:stretch>
+            <a:fillRect/>
+          </a:stretch>
+        </p:blipFill>
+        <p:spPr>
+          <a:xfrm>
+            <a:off x="1147762" y="4314337"/>
+            <a:ext cx="4352925" cy="904875"/>
+          </a:xfrm>
+          <a:prstGeom prst="rect">
+            <a:avLst/>
+          </a:prstGeom>
+        </p:spPr>
+      </p:pic>
     </p:spTree>
     <p:extLst>
       <p:ext uri="{BB962C8B-B14F-4D97-AF65-F5344CB8AC3E}">
-        <p14:creationId xmlns:p14="http://schemas.microsoft.com/office/powerpoint/2010/main" val="985655402"/>
+        <p14:creationId xmlns:p14="http://schemas.microsoft.com/office/powerpoint/2010/main" val="3662120123"/>
       </p:ext>
     </p:extLst>
   </p:cSld>

--- a/ContDataQC_Guide_02_Config.pptx
+++ b/ContDataQC_Guide_02_Config.pptx
@@ -5,7 +5,7 @@
     <p:sldMasterId id="2147483648" r:id="rId1"/>
   </p:sldMasterIdLst>
   <p:notesMasterIdLst>
-    <p:notesMasterId r:id="rId15"/>
+    <p:notesMasterId r:id="rId16"/>
   </p:notesMasterIdLst>
   <p:sldIdLst>
     <p:sldId id="256" r:id="rId2"/>
@@ -20,7 +20,8 @@
     <p:sldId id="264" r:id="rId11"/>
     <p:sldId id="265" r:id="rId12"/>
     <p:sldId id="266" r:id="rId13"/>
-    <p:sldId id="257" r:id="rId14"/>
+    <p:sldId id="270" r:id="rId14"/>
+    <p:sldId id="257" r:id="rId15"/>
   </p:sldIdLst>
   <p:sldSz cx="12192000" cy="6858000"/>
   <p:notesSz cx="6858000" cy="9144000"/>
@@ -150,6 +151,11 @@
             <p14:sldId id="266"/>
           </p14:sldIdLst>
         </p14:section>
+        <p14:section name="R Notebook Code" id="{1FAF925F-6BF3-4AB0-8748-E69F86066117}">
+          <p14:sldIdLst>
+            <p14:sldId id="270"/>
+          </p14:sldIdLst>
+        </p14:section>
         <p14:section name="End" id="{72B75AD2-2FFE-4279-8973-1B4FCBF0EF66}">
           <p14:sldIdLst>
             <p14:sldId id="257"/>
@@ -257,7 +263,7 @@
           <a:p>
             <a:fld id="{A2E71009-6882-4EF1-96CB-0E4C65F24FB6}" type="datetimeFigureOut">
               <a:rPr lang="en-US" smtClean="0"/>
-              <a:t>2018-01-29</a:t>
+              <a:t>2018-01-30</a:t>
             </a:fld>
             <a:endParaRPr lang="en-US"/>
           </a:p>
@@ -589,7 +595,7 @@
           <a:p>
             <a:fld id="{79F24CB8-3055-41A0-83BF-28451D16094D}" type="slidenum">
               <a:rPr lang="en-US" smtClean="0"/>
-              <a:t>13</a:t>
+              <a:t>14</a:t>
             </a:fld>
             <a:endParaRPr lang="en-US"/>
           </a:p>
@@ -737,7 +743,7 @@
           <a:p>
             <a:fld id="{07CE795A-9BFC-475B-95A6-98CD11EA5C56}" type="datetimeFigureOut">
               <a:rPr lang="en-US" smtClean="0"/>
-              <a:t>2018-01-29</a:t>
+              <a:t>2018-01-30</a:t>
             </a:fld>
             <a:endParaRPr lang="en-US"/>
           </a:p>
@@ -905,7 +911,7 @@
           <a:p>
             <a:fld id="{07CE795A-9BFC-475B-95A6-98CD11EA5C56}" type="datetimeFigureOut">
               <a:rPr lang="en-US" smtClean="0"/>
-              <a:t>2018-01-29</a:t>
+              <a:t>2018-01-30</a:t>
             </a:fld>
             <a:endParaRPr lang="en-US"/>
           </a:p>
@@ -1083,7 +1089,7 @@
           <a:p>
             <a:fld id="{07CE795A-9BFC-475B-95A6-98CD11EA5C56}" type="datetimeFigureOut">
               <a:rPr lang="en-US" smtClean="0"/>
-              <a:t>2018-01-29</a:t>
+              <a:t>2018-01-30</a:t>
             </a:fld>
             <a:endParaRPr lang="en-US"/>
           </a:p>
@@ -1251,7 +1257,7 @@
           <a:p>
             <a:fld id="{07CE795A-9BFC-475B-95A6-98CD11EA5C56}" type="datetimeFigureOut">
               <a:rPr lang="en-US" smtClean="0"/>
-              <a:t>2018-01-29</a:t>
+              <a:t>2018-01-30</a:t>
             </a:fld>
             <a:endParaRPr lang="en-US"/>
           </a:p>
@@ -1496,7 +1502,7 @@
           <a:p>
             <a:fld id="{07CE795A-9BFC-475B-95A6-98CD11EA5C56}" type="datetimeFigureOut">
               <a:rPr lang="en-US" smtClean="0"/>
-              <a:t>2018-01-29</a:t>
+              <a:t>2018-01-30</a:t>
             </a:fld>
             <a:endParaRPr lang="en-US"/>
           </a:p>
@@ -1725,7 +1731,7 @@
           <a:p>
             <a:fld id="{07CE795A-9BFC-475B-95A6-98CD11EA5C56}" type="datetimeFigureOut">
               <a:rPr lang="en-US" smtClean="0"/>
-              <a:t>2018-01-29</a:t>
+              <a:t>2018-01-30</a:t>
             </a:fld>
             <a:endParaRPr lang="en-US"/>
           </a:p>
@@ -2089,7 +2095,7 @@
           <a:p>
             <a:fld id="{07CE795A-9BFC-475B-95A6-98CD11EA5C56}" type="datetimeFigureOut">
               <a:rPr lang="en-US" smtClean="0"/>
-              <a:t>2018-01-29</a:t>
+              <a:t>2018-01-30</a:t>
             </a:fld>
             <a:endParaRPr lang="en-US"/>
           </a:p>
@@ -2206,7 +2212,7 @@
           <a:p>
             <a:fld id="{07CE795A-9BFC-475B-95A6-98CD11EA5C56}" type="datetimeFigureOut">
               <a:rPr lang="en-US" smtClean="0"/>
-              <a:t>2018-01-29</a:t>
+              <a:t>2018-01-30</a:t>
             </a:fld>
             <a:endParaRPr lang="en-US"/>
           </a:p>
@@ -2301,7 +2307,7 @@
           <a:p>
             <a:fld id="{07CE795A-9BFC-475B-95A6-98CD11EA5C56}" type="datetimeFigureOut">
               <a:rPr lang="en-US" smtClean="0"/>
-              <a:t>2018-01-29</a:t>
+              <a:t>2018-01-30</a:t>
             </a:fld>
             <a:endParaRPr lang="en-US"/>
           </a:p>
@@ -2576,7 +2582,7 @@
           <a:p>
             <a:fld id="{07CE795A-9BFC-475B-95A6-98CD11EA5C56}" type="datetimeFigureOut">
               <a:rPr lang="en-US" smtClean="0"/>
-              <a:t>2018-01-29</a:t>
+              <a:t>2018-01-30</a:t>
             </a:fld>
             <a:endParaRPr lang="en-US"/>
           </a:p>
@@ -2828,7 +2834,7 @@
           <a:p>
             <a:fld id="{07CE795A-9BFC-475B-95A6-98CD11EA5C56}" type="datetimeFigureOut">
               <a:rPr lang="en-US" smtClean="0"/>
-              <a:t>2018-01-29</a:t>
+              <a:t>2018-01-30</a:t>
             </a:fld>
             <a:endParaRPr lang="en-US"/>
           </a:p>
@@ -3039,7 +3045,7 @@
           <a:p>
             <a:fld id="{07CE795A-9BFC-475B-95A6-98CD11EA5C56}" type="datetimeFigureOut">
               <a:rPr lang="en-US" smtClean="0"/>
-              <a:t>2018-01-29</a:t>
+              <a:t>2018-01-30</a:t>
             </a:fld>
             <a:endParaRPr lang="en-US"/>
           </a:p>
@@ -4325,6 +4331,35 @@
           </a:p>
         </p:txBody>
       </p:sp>
+      <p:sp>
+        <p:nvSpPr>
+          <p:cNvPr id="4" name="Rectangle 3"/>
+          <p:cNvSpPr/>
+          <p:nvPr/>
+        </p:nvSpPr>
+        <p:spPr>
+          <a:xfrm>
+            <a:off x="3765233" y="3244334"/>
+            <a:ext cx="4661533" cy="369332"/>
+          </a:xfrm>
+          <a:prstGeom prst="rect">
+            <a:avLst/>
+          </a:prstGeom>
+        </p:spPr>
+        <p:txBody>
+          <a:bodyPr wrap="none">
+            <a:spAutoFit/>
+          </a:bodyPr>
+          <a:lstStyle/>
+          <a:p>
+            <a:r>
+              <a:rPr lang="en-US" dirty="0"/>
+              <a:t>https://github.com/leppott/ContDataQC_Guide</a:t>
+            </a:r>
+            <a:endParaRPr lang="en-US" dirty="0"/>
+          </a:p>
+        </p:txBody>
+      </p:sp>
     </p:spTree>
     <p:extLst>
       <p:ext uri="{BB962C8B-B14F-4D97-AF65-F5344CB8AC3E}">
@@ -4357,6 +4392,107 @@
       </p:grpSpPr>
       <p:sp>
         <p:nvSpPr>
+          <p:cNvPr id="2" name="Title 1"/>
+          <p:cNvSpPr>
+            <a:spLocks noGrp="1"/>
+          </p:cNvSpPr>
+          <p:nvPr>
+            <p:ph type="title"/>
+          </p:nvPr>
+        </p:nvSpPr>
+        <p:spPr/>
+        <p:txBody>
+          <a:bodyPr/>
+          <a:lstStyle/>
+          <a:p>
+            <a:r>
+              <a:rPr lang="en-US" dirty="0"/>
+              <a:t>Live Code</a:t>
+            </a:r>
+          </a:p>
+        </p:txBody>
+      </p:sp>
+      <p:sp>
+        <p:nvSpPr>
+          <p:cNvPr id="3" name="Content Placeholder 2"/>
+          <p:cNvSpPr>
+            <a:spLocks noGrp="1"/>
+          </p:cNvSpPr>
+          <p:nvPr>
+            <p:ph idx="1"/>
+          </p:nvPr>
+        </p:nvSpPr>
+        <p:spPr/>
+        <p:txBody>
+          <a:bodyPr/>
+          <a:lstStyle/>
+          <a:p>
+            <a:r>
+              <a:rPr lang="en-US" dirty="0"/>
+              <a:t>R Notebook</a:t>
+            </a:r>
+          </a:p>
+          <a:p>
+            <a:pPr lvl="1"/>
+            <a:r>
+              <a:rPr lang="en-US" dirty="0"/>
+              <a:t>Combines text with code chunks.</a:t>
+            </a:r>
+          </a:p>
+          <a:p>
+            <a:r>
+              <a:rPr lang="en-US" dirty="0"/>
+              <a:t>Will be saved with slides and videos on GitHub</a:t>
+            </a:r>
+          </a:p>
+          <a:p>
+            <a:pPr lvl="1"/>
+            <a:r>
+              <a:rPr lang="en-US" dirty="0">
+                <a:hlinkClick r:id="rId2"/>
+              </a:rPr>
+              <a:t>https://github.com/leppott/ContDataQC_Guide</a:t>
+            </a:r>
+            <a:endParaRPr lang="en-US" dirty="0"/>
+          </a:p>
+          <a:p>
+            <a:pPr lvl="1"/>
+            <a:endParaRPr lang="en-US" dirty="0"/>
+          </a:p>
+        </p:txBody>
+      </p:sp>
+    </p:spTree>
+    <p:extLst>
+      <p:ext uri="{BB962C8B-B14F-4D97-AF65-F5344CB8AC3E}">
+        <p14:creationId xmlns:p14="http://schemas.microsoft.com/office/powerpoint/2010/main" val="299552631"/>
+      </p:ext>
+    </p:extLst>
+  </p:cSld>
+  <p:clrMapOvr>
+    <a:masterClrMapping/>
+  </p:clrMapOvr>
+</p:sld>
+</file>
+
+<file path=ppt/slides/slide14.xml><?xml version="1.0" encoding="utf-8"?>
+<p:sld xmlns:a="http://schemas.openxmlformats.org/drawingml/2006/main" xmlns:r="http://schemas.openxmlformats.org/officeDocument/2006/relationships" xmlns:p="http://schemas.openxmlformats.org/presentationml/2006/main">
+  <p:cSld>
+    <p:spTree>
+      <p:nvGrpSpPr>
+        <p:cNvPr id="1" name=""/>
+        <p:cNvGrpSpPr/>
+        <p:nvPr/>
+      </p:nvGrpSpPr>
+      <p:grpSpPr>
+        <a:xfrm>
+          <a:off x="0" y="0"/>
+          <a:ext cx="0" cy="0"/>
+          <a:chOff x="0" y="0"/>
+          <a:chExt cx="0" cy="0"/>
+        </a:xfrm>
+      </p:grpSpPr>
+      <p:sp>
+        <p:nvSpPr>
           <p:cNvPr id="2" name="Slide Number Placeholder 1"/>
           <p:cNvSpPr>
             <a:spLocks noGrp="1"/>
@@ -4372,7 +4508,7 @@
           <a:p>
             <a:fld id="{936672D8-1FD0-476C-B848-666886B032D0}" type="slidenum">
               <a:rPr lang="en-US" smtClean="0"/>
-              <a:t>13</a:t>
+              <a:t>14</a:t>
             </a:fld>
             <a:endParaRPr lang="en-US"/>
           </a:p>
